--- a/doc/DOKU/peat.pptx
+++ b/doc/DOKU/peat.pptx
@@ -7101,12 +7101,28 @@
               <a:buChar char="n"/>
             </a:pPr>
             <a:r>
+              <a:rPr lang="de-DE" dirty="0" err="1" smtClean="0">
+                <a:solidFill>
+                  <a:srgbClr val="FF0000"/>
+                </a:solidFill>
+              </a:rPr>
+              <a:t>mgl</a:t>
+            </a:r>
+            <a:r>
               <a:rPr lang="de-DE" dirty="0" smtClean="0">
                 <a:solidFill>
                   <a:srgbClr val="FF0000"/>
                 </a:solidFill>
               </a:rPr>
-              <a:t>Formen der App (Finanzierung)</a:t>
+              <a:t>. Geschäftsmodelle </a:t>
+            </a:r>
+            <a:r>
+              <a:rPr lang="de-DE" dirty="0" smtClean="0">
+                <a:solidFill>
+                  <a:srgbClr val="FF0000"/>
+                </a:solidFill>
+              </a:rPr>
+              <a:t>(Finanzierung)</a:t>
             </a:r>
           </a:p>
           <a:p>
@@ -7136,7 +7152,7 @@
             </a:pPr>
             <a:r>
               <a:rPr lang="de-DE" dirty="0" err="1" smtClean="0"/>
-              <a:t>Fremium</a:t>
+              <a:t>Freemium</a:t>
             </a:r>
             <a:endParaRPr lang="de-DE" dirty="0" smtClean="0"/>
           </a:p>

--- a/doc/DOKU/peat.pptx
+++ b/doc/DOKU/peat.pptx
@@ -7114,15 +7114,7 @@
                   <a:srgbClr val="FF0000"/>
                 </a:solidFill>
               </a:rPr>
-              <a:t>. Geschäftsmodelle </a:t>
-            </a:r>
-            <a:r>
-              <a:rPr lang="de-DE" dirty="0" smtClean="0">
-                <a:solidFill>
-                  <a:srgbClr val="FF0000"/>
-                </a:solidFill>
-              </a:rPr>
-              <a:t>(Finanzierung)</a:t>
+              <a:t>. Geschäftsmodelle (Finanzierung)</a:t>
             </a:r>
           </a:p>
           <a:p>
@@ -7568,49 +7560,12 @@
             </a:pPr>
             <a:r>
               <a:rPr lang="de-DE" dirty="0" smtClean="0"/>
-              <a:t>Wiederholung am Ende des Durchgangs</a:t>
-            </a:r>
-            <a:endParaRPr lang="de-DE" dirty="0"/>
-          </a:p>
-          <a:p>
-            <a:pPr marL="285750" indent="-285750" eaLnBrk="1" hangingPunct="1">
-              <a:spcBef>
-                <a:spcPts val="1200"/>
-              </a:spcBef>
-              <a:buFont typeface="Wingdings"/>
-              <a:buChar char="n"/>
-            </a:pPr>
+              <a:t>Wiederholung am Ende des </a:t>
+            </a:r>
             <a:r>
               <a:rPr lang="de-DE" dirty="0" smtClean="0"/>
-              <a:t>Benutzerverwaltung (für v2.0.1)</a:t>
-            </a:r>
-          </a:p>
-          <a:p>
-            <a:pPr marL="285750" indent="-285750">
-              <a:buFont typeface="Wingdings"/>
-              <a:buChar char="n"/>
-            </a:pPr>
-            <a:r>
-              <a:rPr lang="de-DE" dirty="0" smtClean="0">
-                <a:solidFill>
-                  <a:srgbClr val="0098A1"/>
-                </a:solidFill>
-              </a:rPr>
-              <a:t>Themenverwaltung </a:t>
-            </a:r>
-            <a:r>
-              <a:rPr lang="de-DE" dirty="0"/>
-              <a:t>(für v2.0.1)</a:t>
-            </a:r>
-          </a:p>
-          <a:p>
-            <a:pPr marL="285750" indent="-285750" eaLnBrk="1" hangingPunct="1">
-              <a:spcBef>
-                <a:spcPts val="1200"/>
-              </a:spcBef>
-              <a:buFont typeface="Wingdings"/>
-              <a:buChar char="n"/>
-            </a:pPr>
+              <a:t>Durchgangs</a:t>
+            </a:r>
             <a:endParaRPr lang="de-DE" dirty="0" smtClean="0">
               <a:solidFill>
                 <a:srgbClr val="0098A1"/>
@@ -8824,8 +8779,12 @@
               <a:buChar char="n"/>
             </a:pPr>
             <a:r>
+              <a:rPr lang="de-DE" sz="1400" dirty="0"/>
+              <a:t>Settings (u.a. Benutzer- und </a:t>
+            </a:r>
+            <a:r>
               <a:rPr lang="de-DE" sz="1400" dirty="0" smtClean="0"/>
-              <a:t>Settings</a:t>
+              <a:t>Themenverwaltung)</a:t>
             </a:r>
             <a:endParaRPr lang="de-DE" sz="300" dirty="0"/>
           </a:p>
